--- a/ONIP/onip_b1_python_scientifique/B1_0_Python_Physique.pptx
+++ b/ONIP/onip_b1_python_scientifique/B1_0_Python_Physique.pptx
@@ -215,7 +215,7 @@
           <a:p>
             <a:fld id="{954F8EBD-2AEC-48CD-A73C-A83CEFB38552}" type="datetimeFigureOut">
               <a:rPr lang="fr-FR" smtClean="0"/>
-              <a:t>03/03/2024</a:t>
+              <a:t>24/04/2024</a:t>
             </a:fld>
             <a:endParaRPr lang="fr-FR"/>
           </a:p>
@@ -393,7 +393,7 @@
           <a:p>
             <a:fld id="{301D7BC4-ED39-4EF0-B379-E4C357C1F5EE}" type="datetimeFigureOut">
               <a:rPr lang="fr-FR" smtClean="0"/>
-              <a:t>03/03/2024</a:t>
+              <a:t>24/04/2024</a:t>
             </a:fld>
             <a:endParaRPr lang="fr-FR"/>
           </a:p>
@@ -817,7 +817,7 @@
           <a:p>
             <a:fld id="{6D1A3BA9-4FBC-495C-B06C-02E49AF4DBF2}" type="datetime1">
               <a:rPr lang="en-US" smtClean="0"/>
-              <a:t>3/3/2024</a:t>
+              <a:t>4/24/2024</a:t>
             </a:fld>
             <a:endParaRPr lang="en-US" dirty="0"/>
           </a:p>
@@ -1187,7 +1187,7 @@
           <a:p>
             <a:fld id="{6D3CB333-BECB-4E98-B90B-0D7F50AE3C94}" type="datetime1">
               <a:rPr lang="en-US" smtClean="0"/>
-              <a:t>3/3/2024</a:t>
+              <a:t>4/24/2024</a:t>
             </a:fld>
             <a:endParaRPr lang="en-US"/>
           </a:p>
@@ -1396,7 +1396,7 @@
           <a:p>
             <a:fld id="{C24FDC8A-F21B-43C5-9A2E-20669EFE6AA3}" type="datetime1">
               <a:rPr lang="en-US" smtClean="0"/>
-              <a:t>3/3/2024</a:t>
+              <a:t>4/24/2024</a:t>
             </a:fld>
             <a:endParaRPr lang="en-US"/>
           </a:p>
@@ -1866,7 +1866,7 @@
           <a:p>
             <a:fld id="{3A372994-E5FA-4A65-8D0A-64DA471327FD}" type="datetime1">
               <a:rPr lang="en-US" smtClean="0"/>
-              <a:t>3/3/2024</a:t>
+              <a:t>4/24/2024</a:t>
             </a:fld>
             <a:endParaRPr lang="en-US"/>
           </a:p>
@@ -2320,7 +2320,7 @@
           <a:p>
             <a:fld id="{2471CB59-60BD-4616-95DF-1286DD8ECD7F}" type="datetime1">
               <a:rPr lang="en-US" smtClean="0"/>
-              <a:t>3/3/2024</a:t>
+              <a:t>4/24/2024</a:t>
             </a:fld>
             <a:endParaRPr lang="en-US"/>
           </a:p>
@@ -2852,7 +2852,7 @@
           <a:p>
             <a:fld id="{08B1CDFC-BEF4-4850-87F8-68A8C3F0119B}" type="datetime1">
               <a:rPr lang="en-US" smtClean="0"/>
-              <a:t>3/3/2024</a:t>
+              <a:t>4/24/2024</a:t>
             </a:fld>
             <a:endParaRPr lang="en-US"/>
           </a:p>
@@ -3551,7 +3551,7 @@
           <a:p>
             <a:fld id="{94C54270-8C9A-4BD9-BBC0-E35690933505}" type="datetime1">
               <a:rPr lang="en-US" smtClean="0"/>
-              <a:t>3/3/2024</a:t>
+              <a:t>4/24/2024</a:t>
             </a:fld>
             <a:endParaRPr lang="en-US"/>
           </a:p>
@@ -3880,7 +3880,7 @@
           <a:p>
             <a:fld id="{8EE779AF-08D2-47CA-8815-C8F4166E20F5}" type="datetime1">
               <a:rPr lang="en-US" smtClean="0"/>
-              <a:t>3/3/2024</a:t>
+              <a:t>4/24/2024</a:t>
             </a:fld>
             <a:endParaRPr lang="en-US"/>
           </a:p>
@@ -3993,7 +3993,7 @@
           <a:p>
             <a:fld id="{3D2076C9-811B-4351-A560-01F4A7D7AC02}" type="datetime1">
               <a:rPr lang="en-US" smtClean="0"/>
-              <a:t>3/3/2024</a:t>
+              <a:t>4/24/2024</a:t>
             </a:fld>
             <a:endParaRPr lang="en-US"/>
           </a:p>
@@ -4488,7 +4488,7 @@
           <a:p>
             <a:fld id="{C2CB0F22-1D6C-47AB-9E0A-D1D12A16713E}" type="datetime1">
               <a:rPr lang="en-US" smtClean="0"/>
-              <a:t>3/3/2024</a:t>
+              <a:t>4/24/2024</a:t>
             </a:fld>
             <a:endParaRPr lang="en-US" dirty="0"/>
           </a:p>
@@ -4965,7 +4965,7 @@
           <a:p>
             <a:fld id="{C4CB7D84-8EE1-40EE-ADA7-F4241C549C46}" type="datetime1">
               <a:rPr lang="en-US" smtClean="0"/>
-              <a:t>3/3/2024</a:t>
+              <a:t>4/24/2024</a:t>
             </a:fld>
             <a:endParaRPr lang="en-US"/>
           </a:p>
@@ -5208,7 +5208,7 @@
           <a:p>
             <a:fld id="{8423C62B-0B0B-4533-9DFE-8E9DD127C9BF}" type="datetime1">
               <a:rPr lang="en-US" smtClean="0"/>
-              <a:t>3/3/2024</a:t>
+              <a:t>4/24/2024</a:t>
             </a:fld>
             <a:endParaRPr lang="en-US"/>
           </a:p>
@@ -6388,6 +6388,141 @@
           </a:p>
         </p:txBody>
       </p:sp>
+      <p:sp>
+        <p:nvSpPr>
+          <p:cNvPr id="6" name="ZoneTexte 3">
+            <a:extLst>
+              <a:ext uri="{FF2B5EF4-FFF2-40B4-BE49-F238E27FC236}">
+                <a16:creationId xmlns:a16="http://schemas.microsoft.com/office/drawing/2014/main" id="{D561072C-1D00-5393-A28C-4267FC2EDD7A}"/>
+              </a:ext>
+            </a:extLst>
+          </p:cNvPr>
+          <p:cNvSpPr txBox="1"/>
+          <p:nvPr/>
+        </p:nvSpPr>
+        <p:spPr>
+          <a:xfrm rot="19731946">
+            <a:off x="270436" y="4846994"/>
+            <a:ext cx="1275734" cy="369332"/>
+          </a:xfrm>
+          <a:prstGeom prst="rect">
+            <a:avLst/>
+          </a:prstGeom>
+          <a:solidFill>
+            <a:srgbClr val="FF0000"/>
+          </a:solidFill>
+        </p:spPr>
+        <p:txBody>
+          <a:bodyPr wrap="square" rtlCol="0">
+            <a:spAutoFit/>
+          </a:bodyPr>
+          <a:lstStyle>
+            <a:defPPr>
+              <a:defRPr lang="en-US"/>
+            </a:defPPr>
+            <a:lvl1pPr marL="0" algn="l" defTabSz="457200" rtl="0" eaLnBrk="1" latinLnBrk="0" hangingPunct="1">
+              <a:defRPr sz="1800" kern="1200">
+                <a:solidFill>
+                  <a:schemeClr val="tx1"/>
+                </a:solidFill>
+                <a:latin typeface="+mn-lt"/>
+                <a:ea typeface="+mn-ea"/>
+                <a:cs typeface="+mn-cs"/>
+              </a:defRPr>
+            </a:lvl1pPr>
+            <a:lvl2pPr marL="457200" algn="l" defTabSz="457200" rtl="0" eaLnBrk="1" latinLnBrk="0" hangingPunct="1">
+              <a:defRPr sz="1800" kern="1200">
+                <a:solidFill>
+                  <a:schemeClr val="tx1"/>
+                </a:solidFill>
+                <a:latin typeface="+mn-lt"/>
+                <a:ea typeface="+mn-ea"/>
+                <a:cs typeface="+mn-cs"/>
+              </a:defRPr>
+            </a:lvl2pPr>
+            <a:lvl3pPr marL="914400" algn="l" defTabSz="457200" rtl="0" eaLnBrk="1" latinLnBrk="0" hangingPunct="1">
+              <a:defRPr sz="1800" kern="1200">
+                <a:solidFill>
+                  <a:schemeClr val="tx1"/>
+                </a:solidFill>
+                <a:latin typeface="+mn-lt"/>
+                <a:ea typeface="+mn-ea"/>
+                <a:cs typeface="+mn-cs"/>
+              </a:defRPr>
+            </a:lvl3pPr>
+            <a:lvl4pPr marL="1371600" algn="l" defTabSz="457200" rtl="0" eaLnBrk="1" latinLnBrk="0" hangingPunct="1">
+              <a:defRPr sz="1800" kern="1200">
+                <a:solidFill>
+                  <a:schemeClr val="tx1"/>
+                </a:solidFill>
+                <a:latin typeface="+mn-lt"/>
+                <a:ea typeface="+mn-ea"/>
+                <a:cs typeface="+mn-cs"/>
+              </a:defRPr>
+            </a:lvl4pPr>
+            <a:lvl5pPr marL="1828800" algn="l" defTabSz="457200" rtl="0" eaLnBrk="1" latinLnBrk="0" hangingPunct="1">
+              <a:defRPr sz="1800" kern="1200">
+                <a:solidFill>
+                  <a:schemeClr val="tx1"/>
+                </a:solidFill>
+                <a:latin typeface="+mn-lt"/>
+                <a:ea typeface="+mn-ea"/>
+                <a:cs typeface="+mn-cs"/>
+              </a:defRPr>
+            </a:lvl5pPr>
+            <a:lvl6pPr marL="2286000" algn="l" defTabSz="457200" rtl="0" eaLnBrk="1" latinLnBrk="0" hangingPunct="1">
+              <a:defRPr sz="1800" kern="1200">
+                <a:solidFill>
+                  <a:schemeClr val="tx1"/>
+                </a:solidFill>
+                <a:latin typeface="+mn-lt"/>
+                <a:ea typeface="+mn-ea"/>
+                <a:cs typeface="+mn-cs"/>
+              </a:defRPr>
+            </a:lvl6pPr>
+            <a:lvl7pPr marL="2743200" algn="l" defTabSz="457200" rtl="0" eaLnBrk="1" latinLnBrk="0" hangingPunct="1">
+              <a:defRPr sz="1800" kern="1200">
+                <a:solidFill>
+                  <a:schemeClr val="tx1"/>
+                </a:solidFill>
+                <a:latin typeface="+mn-lt"/>
+                <a:ea typeface="+mn-ea"/>
+                <a:cs typeface="+mn-cs"/>
+              </a:defRPr>
+            </a:lvl7pPr>
+            <a:lvl8pPr marL="3200400" algn="l" defTabSz="457200" rtl="0" eaLnBrk="1" latinLnBrk="0" hangingPunct="1">
+              <a:defRPr sz="1800" kern="1200">
+                <a:solidFill>
+                  <a:schemeClr val="tx1"/>
+                </a:solidFill>
+                <a:latin typeface="+mn-lt"/>
+                <a:ea typeface="+mn-ea"/>
+                <a:cs typeface="+mn-cs"/>
+              </a:defRPr>
+            </a:lvl8pPr>
+            <a:lvl9pPr marL="3657600" algn="l" defTabSz="457200" rtl="0" eaLnBrk="1" latinLnBrk="0" hangingPunct="1">
+              <a:defRPr sz="1800" kern="1200">
+                <a:solidFill>
+                  <a:schemeClr val="tx1"/>
+                </a:solidFill>
+                <a:latin typeface="+mn-lt"/>
+                <a:ea typeface="+mn-ea"/>
+                <a:cs typeface="+mn-cs"/>
+              </a:defRPr>
+            </a:lvl9pPr>
+          </a:lstStyle>
+          <a:p>
+            <a:r>
+              <a:rPr lang="fr-FR" b="1" dirty="0">
+                <a:solidFill>
+                  <a:schemeClr val="bg1"/>
+                </a:solidFill>
+              </a:rPr>
+              <a:t>A REVOIR</a:t>
+            </a:r>
+          </a:p>
+        </p:txBody>
+      </p:sp>
     </p:spTree>
     <p:extLst>
       <p:ext uri="{BB962C8B-B14F-4D97-AF65-F5344CB8AC3E}">
@@ -6639,6 +6774,141 @@
           </a:p>
         </p:txBody>
       </p:sp>
+      <p:sp>
+        <p:nvSpPr>
+          <p:cNvPr id="4" name="ZoneTexte 3">
+            <a:extLst>
+              <a:ext uri="{FF2B5EF4-FFF2-40B4-BE49-F238E27FC236}">
+                <a16:creationId xmlns:a16="http://schemas.microsoft.com/office/drawing/2014/main" id="{211DFD4D-0AF7-6A7F-249B-BE69DF97F2F3}"/>
+              </a:ext>
+            </a:extLst>
+          </p:cNvPr>
+          <p:cNvSpPr txBox="1"/>
+          <p:nvPr/>
+        </p:nvSpPr>
+        <p:spPr>
+          <a:xfrm rot="19731946">
+            <a:off x="270436" y="4846994"/>
+            <a:ext cx="1275734" cy="369332"/>
+          </a:xfrm>
+          <a:prstGeom prst="rect">
+            <a:avLst/>
+          </a:prstGeom>
+          <a:solidFill>
+            <a:srgbClr val="FF0000"/>
+          </a:solidFill>
+        </p:spPr>
+        <p:txBody>
+          <a:bodyPr wrap="square" rtlCol="0">
+            <a:spAutoFit/>
+          </a:bodyPr>
+          <a:lstStyle>
+            <a:defPPr>
+              <a:defRPr lang="en-US"/>
+            </a:defPPr>
+            <a:lvl1pPr marL="0" algn="l" defTabSz="457200" rtl="0" eaLnBrk="1" latinLnBrk="0" hangingPunct="1">
+              <a:defRPr sz="1800" kern="1200">
+                <a:solidFill>
+                  <a:schemeClr val="tx1"/>
+                </a:solidFill>
+                <a:latin typeface="+mn-lt"/>
+                <a:ea typeface="+mn-ea"/>
+                <a:cs typeface="+mn-cs"/>
+              </a:defRPr>
+            </a:lvl1pPr>
+            <a:lvl2pPr marL="457200" algn="l" defTabSz="457200" rtl="0" eaLnBrk="1" latinLnBrk="0" hangingPunct="1">
+              <a:defRPr sz="1800" kern="1200">
+                <a:solidFill>
+                  <a:schemeClr val="tx1"/>
+                </a:solidFill>
+                <a:latin typeface="+mn-lt"/>
+                <a:ea typeface="+mn-ea"/>
+                <a:cs typeface="+mn-cs"/>
+              </a:defRPr>
+            </a:lvl2pPr>
+            <a:lvl3pPr marL="914400" algn="l" defTabSz="457200" rtl="0" eaLnBrk="1" latinLnBrk="0" hangingPunct="1">
+              <a:defRPr sz="1800" kern="1200">
+                <a:solidFill>
+                  <a:schemeClr val="tx1"/>
+                </a:solidFill>
+                <a:latin typeface="+mn-lt"/>
+                <a:ea typeface="+mn-ea"/>
+                <a:cs typeface="+mn-cs"/>
+              </a:defRPr>
+            </a:lvl3pPr>
+            <a:lvl4pPr marL="1371600" algn="l" defTabSz="457200" rtl="0" eaLnBrk="1" latinLnBrk="0" hangingPunct="1">
+              <a:defRPr sz="1800" kern="1200">
+                <a:solidFill>
+                  <a:schemeClr val="tx1"/>
+                </a:solidFill>
+                <a:latin typeface="+mn-lt"/>
+                <a:ea typeface="+mn-ea"/>
+                <a:cs typeface="+mn-cs"/>
+              </a:defRPr>
+            </a:lvl4pPr>
+            <a:lvl5pPr marL="1828800" algn="l" defTabSz="457200" rtl="0" eaLnBrk="1" latinLnBrk="0" hangingPunct="1">
+              <a:defRPr sz="1800" kern="1200">
+                <a:solidFill>
+                  <a:schemeClr val="tx1"/>
+                </a:solidFill>
+                <a:latin typeface="+mn-lt"/>
+                <a:ea typeface="+mn-ea"/>
+                <a:cs typeface="+mn-cs"/>
+              </a:defRPr>
+            </a:lvl5pPr>
+            <a:lvl6pPr marL="2286000" algn="l" defTabSz="457200" rtl="0" eaLnBrk="1" latinLnBrk="0" hangingPunct="1">
+              <a:defRPr sz="1800" kern="1200">
+                <a:solidFill>
+                  <a:schemeClr val="tx1"/>
+                </a:solidFill>
+                <a:latin typeface="+mn-lt"/>
+                <a:ea typeface="+mn-ea"/>
+                <a:cs typeface="+mn-cs"/>
+              </a:defRPr>
+            </a:lvl6pPr>
+            <a:lvl7pPr marL="2743200" algn="l" defTabSz="457200" rtl="0" eaLnBrk="1" latinLnBrk="0" hangingPunct="1">
+              <a:defRPr sz="1800" kern="1200">
+                <a:solidFill>
+                  <a:schemeClr val="tx1"/>
+                </a:solidFill>
+                <a:latin typeface="+mn-lt"/>
+                <a:ea typeface="+mn-ea"/>
+                <a:cs typeface="+mn-cs"/>
+              </a:defRPr>
+            </a:lvl7pPr>
+            <a:lvl8pPr marL="3200400" algn="l" defTabSz="457200" rtl="0" eaLnBrk="1" latinLnBrk="0" hangingPunct="1">
+              <a:defRPr sz="1800" kern="1200">
+                <a:solidFill>
+                  <a:schemeClr val="tx1"/>
+                </a:solidFill>
+                <a:latin typeface="+mn-lt"/>
+                <a:ea typeface="+mn-ea"/>
+                <a:cs typeface="+mn-cs"/>
+              </a:defRPr>
+            </a:lvl8pPr>
+            <a:lvl9pPr marL="3657600" algn="l" defTabSz="457200" rtl="0" eaLnBrk="1" latinLnBrk="0" hangingPunct="1">
+              <a:defRPr sz="1800" kern="1200">
+                <a:solidFill>
+                  <a:schemeClr val="tx1"/>
+                </a:solidFill>
+                <a:latin typeface="+mn-lt"/>
+                <a:ea typeface="+mn-ea"/>
+                <a:cs typeface="+mn-cs"/>
+              </a:defRPr>
+            </a:lvl9pPr>
+          </a:lstStyle>
+          <a:p>
+            <a:r>
+              <a:rPr lang="fr-FR" b="1" dirty="0">
+                <a:solidFill>
+                  <a:schemeClr val="bg1"/>
+                </a:solidFill>
+              </a:rPr>
+              <a:t>A REVOIR</a:t>
+            </a:r>
+          </a:p>
+        </p:txBody>
+      </p:sp>
     </p:spTree>
     <p:extLst>
       <p:ext uri="{BB962C8B-B14F-4D97-AF65-F5344CB8AC3E}">
@@ -6978,7 +7248,7 @@
           <a:p>
             <a:r>
               <a:rPr lang="fr-FR" sz="1600" dirty="0"/>
-              <a:t>Séance 4 : synthèse</a:t>
+              <a:t>Séance 4 : évaluation</a:t>
             </a:r>
           </a:p>
         </p:txBody>
@@ -7319,6 +7589,141 @@
             <a:r>
               <a:rPr lang="fr-FR" sz="1600" dirty="0"/>
               <a:t> : signal modulé en amplitude / acquisition numérique</a:t>
+            </a:r>
+          </a:p>
+        </p:txBody>
+      </p:sp>
+      <p:sp>
+        <p:nvSpPr>
+          <p:cNvPr id="6" name="ZoneTexte 3">
+            <a:extLst>
+              <a:ext uri="{FF2B5EF4-FFF2-40B4-BE49-F238E27FC236}">
+                <a16:creationId xmlns:a16="http://schemas.microsoft.com/office/drawing/2014/main" id="{C46F1760-73AA-428F-6BA2-F9D2CDFE1861}"/>
+              </a:ext>
+            </a:extLst>
+          </p:cNvPr>
+          <p:cNvSpPr txBox="1"/>
+          <p:nvPr/>
+        </p:nvSpPr>
+        <p:spPr>
+          <a:xfrm rot="19731946">
+            <a:off x="270436" y="4846994"/>
+            <a:ext cx="1275734" cy="369332"/>
+          </a:xfrm>
+          <a:prstGeom prst="rect">
+            <a:avLst/>
+          </a:prstGeom>
+          <a:solidFill>
+            <a:srgbClr val="FF0000"/>
+          </a:solidFill>
+        </p:spPr>
+        <p:txBody>
+          <a:bodyPr wrap="square" rtlCol="0">
+            <a:spAutoFit/>
+          </a:bodyPr>
+          <a:lstStyle>
+            <a:defPPr>
+              <a:defRPr lang="en-US"/>
+            </a:defPPr>
+            <a:lvl1pPr marL="0" algn="l" defTabSz="457200" rtl="0" eaLnBrk="1" latinLnBrk="0" hangingPunct="1">
+              <a:defRPr sz="1800" kern="1200">
+                <a:solidFill>
+                  <a:schemeClr val="tx1"/>
+                </a:solidFill>
+                <a:latin typeface="+mn-lt"/>
+                <a:ea typeface="+mn-ea"/>
+                <a:cs typeface="+mn-cs"/>
+              </a:defRPr>
+            </a:lvl1pPr>
+            <a:lvl2pPr marL="457200" algn="l" defTabSz="457200" rtl="0" eaLnBrk="1" latinLnBrk="0" hangingPunct="1">
+              <a:defRPr sz="1800" kern="1200">
+                <a:solidFill>
+                  <a:schemeClr val="tx1"/>
+                </a:solidFill>
+                <a:latin typeface="+mn-lt"/>
+                <a:ea typeface="+mn-ea"/>
+                <a:cs typeface="+mn-cs"/>
+              </a:defRPr>
+            </a:lvl2pPr>
+            <a:lvl3pPr marL="914400" algn="l" defTabSz="457200" rtl="0" eaLnBrk="1" latinLnBrk="0" hangingPunct="1">
+              <a:defRPr sz="1800" kern="1200">
+                <a:solidFill>
+                  <a:schemeClr val="tx1"/>
+                </a:solidFill>
+                <a:latin typeface="+mn-lt"/>
+                <a:ea typeface="+mn-ea"/>
+                <a:cs typeface="+mn-cs"/>
+              </a:defRPr>
+            </a:lvl3pPr>
+            <a:lvl4pPr marL="1371600" algn="l" defTabSz="457200" rtl="0" eaLnBrk="1" latinLnBrk="0" hangingPunct="1">
+              <a:defRPr sz="1800" kern="1200">
+                <a:solidFill>
+                  <a:schemeClr val="tx1"/>
+                </a:solidFill>
+                <a:latin typeface="+mn-lt"/>
+                <a:ea typeface="+mn-ea"/>
+                <a:cs typeface="+mn-cs"/>
+              </a:defRPr>
+            </a:lvl4pPr>
+            <a:lvl5pPr marL="1828800" algn="l" defTabSz="457200" rtl="0" eaLnBrk="1" latinLnBrk="0" hangingPunct="1">
+              <a:defRPr sz="1800" kern="1200">
+                <a:solidFill>
+                  <a:schemeClr val="tx1"/>
+                </a:solidFill>
+                <a:latin typeface="+mn-lt"/>
+                <a:ea typeface="+mn-ea"/>
+                <a:cs typeface="+mn-cs"/>
+              </a:defRPr>
+            </a:lvl5pPr>
+            <a:lvl6pPr marL="2286000" algn="l" defTabSz="457200" rtl="0" eaLnBrk="1" latinLnBrk="0" hangingPunct="1">
+              <a:defRPr sz="1800" kern="1200">
+                <a:solidFill>
+                  <a:schemeClr val="tx1"/>
+                </a:solidFill>
+                <a:latin typeface="+mn-lt"/>
+                <a:ea typeface="+mn-ea"/>
+                <a:cs typeface="+mn-cs"/>
+              </a:defRPr>
+            </a:lvl6pPr>
+            <a:lvl7pPr marL="2743200" algn="l" defTabSz="457200" rtl="0" eaLnBrk="1" latinLnBrk="0" hangingPunct="1">
+              <a:defRPr sz="1800" kern="1200">
+                <a:solidFill>
+                  <a:schemeClr val="tx1"/>
+                </a:solidFill>
+                <a:latin typeface="+mn-lt"/>
+                <a:ea typeface="+mn-ea"/>
+                <a:cs typeface="+mn-cs"/>
+              </a:defRPr>
+            </a:lvl7pPr>
+            <a:lvl8pPr marL="3200400" algn="l" defTabSz="457200" rtl="0" eaLnBrk="1" latinLnBrk="0" hangingPunct="1">
+              <a:defRPr sz="1800" kern="1200">
+                <a:solidFill>
+                  <a:schemeClr val="tx1"/>
+                </a:solidFill>
+                <a:latin typeface="+mn-lt"/>
+                <a:ea typeface="+mn-ea"/>
+                <a:cs typeface="+mn-cs"/>
+              </a:defRPr>
+            </a:lvl8pPr>
+            <a:lvl9pPr marL="3657600" algn="l" defTabSz="457200" rtl="0" eaLnBrk="1" latinLnBrk="0" hangingPunct="1">
+              <a:defRPr sz="1800" kern="1200">
+                <a:solidFill>
+                  <a:schemeClr val="tx1"/>
+                </a:solidFill>
+                <a:latin typeface="+mn-lt"/>
+                <a:ea typeface="+mn-ea"/>
+                <a:cs typeface="+mn-cs"/>
+              </a:defRPr>
+            </a:lvl9pPr>
+          </a:lstStyle>
+          <a:p>
+            <a:r>
+              <a:rPr lang="fr-FR" b="1" dirty="0">
+                <a:solidFill>
+                  <a:schemeClr val="bg1"/>
+                </a:solidFill>
+              </a:rPr>
+              <a:t>A REVOIR</a:t>
             </a:r>
           </a:p>
         </p:txBody>
